--- a/docs/exmple_project_flow.pptx
+++ b/docs/exmple_project_flow.pptx
@@ -104,6 +104,11 @@
       </a:defRPr>
     </a:lvl9pPr>
   </p:defaultTextStyle>
+  <p:extLst>
+    <p:ext uri="{EFAFB233-063F-42B5-8137-9DF3F51BA10A}">
+      <p15:sldGuideLst xmlns:p15="http://schemas.microsoft.com/office/powerpoint/2012/main"/>
+    </p:ext>
+  </p:extLst>
 </p:presentation>
 </file>
 
@@ -254,7 +259,7 @@
           <a:p>
             <a:fld id="{BE0B44B5-4095-4F53-8515-70788FA63CBA}" type="datetimeFigureOut">
               <a:rPr lang="en-US" smtClean="0"/>
-              <a:t>1/17/2023</a:t>
+              <a:t>1/18/2023</a:t>
             </a:fld>
             <a:endParaRPr lang="en-US"/>
           </a:p>
@@ -452,7 +457,7 @@
           <a:p>
             <a:fld id="{BE0B44B5-4095-4F53-8515-70788FA63CBA}" type="datetimeFigureOut">
               <a:rPr lang="en-US" smtClean="0"/>
-              <a:t>1/17/2023</a:t>
+              <a:t>1/18/2023</a:t>
             </a:fld>
             <a:endParaRPr lang="en-US"/>
           </a:p>
@@ -660,7 +665,7 @@
           <a:p>
             <a:fld id="{BE0B44B5-4095-4F53-8515-70788FA63CBA}" type="datetimeFigureOut">
               <a:rPr lang="en-US" smtClean="0"/>
-              <a:t>1/17/2023</a:t>
+              <a:t>1/18/2023</a:t>
             </a:fld>
             <a:endParaRPr lang="en-US"/>
           </a:p>
@@ -858,7 +863,7 @@
           <a:p>
             <a:fld id="{BE0B44B5-4095-4F53-8515-70788FA63CBA}" type="datetimeFigureOut">
               <a:rPr lang="en-US" smtClean="0"/>
-              <a:t>1/17/2023</a:t>
+              <a:t>1/18/2023</a:t>
             </a:fld>
             <a:endParaRPr lang="en-US"/>
           </a:p>
@@ -1133,7 +1138,7 @@
           <a:p>
             <a:fld id="{BE0B44B5-4095-4F53-8515-70788FA63CBA}" type="datetimeFigureOut">
               <a:rPr lang="en-US" smtClean="0"/>
-              <a:t>1/17/2023</a:t>
+              <a:t>1/18/2023</a:t>
             </a:fld>
             <a:endParaRPr lang="en-US"/>
           </a:p>
@@ -1398,7 +1403,7 @@
           <a:p>
             <a:fld id="{BE0B44B5-4095-4F53-8515-70788FA63CBA}" type="datetimeFigureOut">
               <a:rPr lang="en-US" smtClean="0"/>
-              <a:t>1/17/2023</a:t>
+              <a:t>1/18/2023</a:t>
             </a:fld>
             <a:endParaRPr lang="en-US"/>
           </a:p>
@@ -1810,7 +1815,7 @@
           <a:p>
             <a:fld id="{BE0B44B5-4095-4F53-8515-70788FA63CBA}" type="datetimeFigureOut">
               <a:rPr lang="en-US" smtClean="0"/>
-              <a:t>1/17/2023</a:t>
+              <a:t>1/18/2023</a:t>
             </a:fld>
             <a:endParaRPr lang="en-US"/>
           </a:p>
@@ -1951,7 +1956,7 @@
           <a:p>
             <a:fld id="{BE0B44B5-4095-4F53-8515-70788FA63CBA}" type="datetimeFigureOut">
               <a:rPr lang="en-US" smtClean="0"/>
-              <a:t>1/17/2023</a:t>
+              <a:t>1/18/2023</a:t>
             </a:fld>
             <a:endParaRPr lang="en-US"/>
           </a:p>
@@ -2064,7 +2069,7 @@
           <a:p>
             <a:fld id="{BE0B44B5-4095-4F53-8515-70788FA63CBA}" type="datetimeFigureOut">
               <a:rPr lang="en-US" smtClean="0"/>
-              <a:t>1/17/2023</a:t>
+              <a:t>1/18/2023</a:t>
             </a:fld>
             <a:endParaRPr lang="en-US"/>
           </a:p>
@@ -2375,7 +2380,7 @@
           <a:p>
             <a:fld id="{BE0B44B5-4095-4F53-8515-70788FA63CBA}" type="datetimeFigureOut">
               <a:rPr lang="en-US" smtClean="0"/>
-              <a:t>1/17/2023</a:t>
+              <a:t>1/18/2023</a:t>
             </a:fld>
             <a:endParaRPr lang="en-US"/>
           </a:p>
@@ -2663,7 +2668,7 @@
           <a:p>
             <a:fld id="{BE0B44B5-4095-4F53-8515-70788FA63CBA}" type="datetimeFigureOut">
               <a:rPr lang="en-US" smtClean="0"/>
-              <a:t>1/17/2023</a:t>
+              <a:t>1/18/2023</a:t>
             </a:fld>
             <a:endParaRPr lang="en-US"/>
           </a:p>
@@ -2904,7 +2909,7 @@
           <a:p>
             <a:fld id="{BE0B44B5-4095-4F53-8515-70788FA63CBA}" type="datetimeFigureOut">
               <a:rPr lang="en-US" smtClean="0"/>
-              <a:t>1/17/2023</a:t>
+              <a:t>1/18/2023</a:t>
             </a:fld>
             <a:endParaRPr lang="en-US"/>
           </a:p>
@@ -3321,1022 +3326,1009 @@
           <a:chExt cx="0" cy="0"/>
         </a:xfrm>
       </p:grpSpPr>
-      <p:grpSp>
-        <p:nvGrpSpPr>
-          <p:cNvPr id="53" name="Group 52">
-            <a:extLst>
-              <a:ext uri="{FF2B5EF4-FFF2-40B4-BE49-F238E27FC236}">
-                <a16:creationId xmlns:a16="http://schemas.microsoft.com/office/drawing/2014/main" id="{1E0BDC76-8A77-4550-BD1C-6FEE0F6A9733}"/>
-              </a:ext>
-            </a:extLst>
-          </p:cNvPr>
-          <p:cNvGrpSpPr/>
+      <p:sp>
+        <p:nvSpPr>
+          <p:cNvPr id="4" name="Rectangle 3">
+            <a:extLst>
+              <a:ext uri="{FF2B5EF4-FFF2-40B4-BE49-F238E27FC236}">
+                <a16:creationId xmlns:a16="http://schemas.microsoft.com/office/drawing/2014/main" id="{C327026D-84A2-47DB-AD38-ABAF7D9B0071}"/>
+              </a:ext>
+            </a:extLst>
+          </p:cNvPr>
+          <p:cNvSpPr/>
           <p:nvPr/>
-        </p:nvGrpSpPr>
-        <p:grpSpPr>
+        </p:nvSpPr>
+        <p:spPr>
           <a:xfrm>
-            <a:off x="1979802" y="445078"/>
-            <a:ext cx="8333430" cy="5955707"/>
-            <a:chOff x="1666405" y="221100"/>
-            <a:chExt cx="8646827" cy="6179685"/>
+            <a:off x="2608242" y="445078"/>
+            <a:ext cx="2513753" cy="679003"/>
           </a:xfrm>
-        </p:grpSpPr>
-        <p:sp>
-          <p:nvSpPr>
-            <p:cNvPr id="4" name="Rectangle 3">
-              <a:extLst>
-                <a:ext uri="{FF2B5EF4-FFF2-40B4-BE49-F238E27FC236}">
-                  <a16:creationId xmlns:a16="http://schemas.microsoft.com/office/drawing/2014/main" id="{C327026D-84A2-47DB-AD38-ABAF7D9B0071}"/>
-                </a:ext>
-              </a:extLst>
-            </p:cNvPr>
-            <p:cNvSpPr/>
-            <p:nvPr/>
-          </p:nvSpPr>
-          <p:spPr>
-            <a:xfrm>
-              <a:off x="2318479" y="221100"/>
-              <a:ext cx="2608288" cy="704538"/>
-            </a:xfrm>
-            <a:prstGeom prst="rect">
-              <a:avLst/>
-            </a:prstGeom>
+          <a:prstGeom prst="rect">
+            <a:avLst/>
+          </a:prstGeom>
+          <a:solidFill>
+            <a:schemeClr val="accent6">
+              <a:lumMod val="60000"/>
+              <a:lumOff val="40000"/>
+            </a:schemeClr>
+          </a:solidFill>
+          <a:ln w="12700">
             <a:solidFill>
-              <a:schemeClr val="accent1">
-                <a:lumMod val="40000"/>
-                <a:lumOff val="60000"/>
+              <a:schemeClr val="accent6">
+                <a:lumMod val="75000"/>
               </a:schemeClr>
             </a:solidFill>
-            <a:ln w="12700">
-              <a:solidFill>
-                <a:schemeClr val="tx1"/>
-              </a:solidFill>
-            </a:ln>
-          </p:spPr>
-          <p:style>
-            <a:lnRef idx="2">
-              <a:schemeClr val="accent1">
-                <a:shade val="50000"/>
-              </a:schemeClr>
-            </a:lnRef>
-            <a:fillRef idx="1">
-              <a:schemeClr val="accent1"/>
-            </a:fillRef>
-            <a:effectRef idx="0">
-              <a:schemeClr val="accent1"/>
-            </a:effectRef>
-            <a:fontRef idx="minor">
-              <a:schemeClr val="lt1"/>
-            </a:fontRef>
-          </p:style>
-          <p:txBody>
-            <a:bodyPr rtlCol="0" anchor="ctr"/>
-            <a:lstStyle/>
-            <a:p>
-              <a:pPr algn="ctr"/>
-              <a:r>
-                <a:rPr lang="en-US" dirty="0">
-                  <a:solidFill>
-                    <a:sysClr val="windowText" lastClr="000000"/>
-                  </a:solidFill>
-                </a:rPr>
-                <a:t>main_module_function()</a:t>
-              </a:r>
-            </a:p>
-          </p:txBody>
-        </p:sp>
-        <p:sp>
-          <p:nvSpPr>
-            <p:cNvPr id="5" name="Rectangle 4">
-              <a:extLst>
-                <a:ext uri="{FF2B5EF4-FFF2-40B4-BE49-F238E27FC236}">
-                  <a16:creationId xmlns:a16="http://schemas.microsoft.com/office/drawing/2014/main" id="{7918A150-3A2E-4828-9C64-3616A8C73D47}"/>
-                </a:ext>
-              </a:extLst>
-            </p:cNvPr>
-            <p:cNvSpPr/>
-            <p:nvPr/>
-          </p:nvSpPr>
-          <p:spPr>
-            <a:xfrm>
-              <a:off x="3622623" y="2079885"/>
-              <a:ext cx="2608288" cy="704538"/>
-            </a:xfrm>
-            <a:prstGeom prst="rect">
-              <a:avLst/>
-            </a:prstGeom>
+          </a:ln>
+        </p:spPr>
+        <p:style>
+          <a:lnRef idx="2">
+            <a:schemeClr val="accent1">
+              <a:shade val="50000"/>
+            </a:schemeClr>
+          </a:lnRef>
+          <a:fillRef idx="1">
+            <a:schemeClr val="accent1"/>
+          </a:fillRef>
+          <a:effectRef idx="0">
+            <a:schemeClr val="accent1"/>
+          </a:effectRef>
+          <a:fontRef idx="minor">
+            <a:schemeClr val="lt1"/>
+          </a:fontRef>
+        </p:style>
+        <p:txBody>
+          <a:bodyPr rtlCol="0" anchor="ctr"/>
+          <a:lstStyle/>
+          <a:p>
+            <a:pPr algn="ctr"/>
+            <a:r>
+              <a:rPr lang="en-US" dirty="0">
+                <a:solidFill>
+                  <a:sysClr val="windowText" lastClr="000000"/>
+                </a:solidFill>
+              </a:rPr>
+              <a:t>main_module_function()</a:t>
+            </a:r>
+          </a:p>
+        </p:txBody>
+      </p:sp>
+      <p:sp>
+        <p:nvSpPr>
+          <p:cNvPr id="5" name="Rectangle 4">
+            <a:extLst>
+              <a:ext uri="{FF2B5EF4-FFF2-40B4-BE49-F238E27FC236}">
+                <a16:creationId xmlns:a16="http://schemas.microsoft.com/office/drawing/2014/main" id="{7918A150-3A2E-4828-9C64-3616A8C73D47}"/>
+              </a:ext>
+            </a:extLst>
+          </p:cNvPr>
+          <p:cNvSpPr/>
+          <p:nvPr/>
+        </p:nvSpPr>
+        <p:spPr>
+          <a:xfrm>
+            <a:off x="3865119" y="2236493"/>
+            <a:ext cx="2513753" cy="679003"/>
+          </a:xfrm>
+          <a:prstGeom prst="rect">
+            <a:avLst/>
+          </a:prstGeom>
+          <a:solidFill>
+            <a:schemeClr val="accent6">
+              <a:lumMod val="20000"/>
+              <a:lumOff val="80000"/>
+            </a:schemeClr>
+          </a:solidFill>
+          <a:ln w="12700">
             <a:solidFill>
-              <a:schemeClr val="accent1">
-                <a:lumMod val="40000"/>
-                <a:lumOff val="60000"/>
+              <a:schemeClr val="accent6">
+                <a:lumMod val="75000"/>
               </a:schemeClr>
             </a:solidFill>
-            <a:ln w="12700">
-              <a:solidFill>
-                <a:schemeClr val="tx1"/>
-              </a:solidFill>
-            </a:ln>
-          </p:spPr>
-          <p:style>
-            <a:lnRef idx="2">
-              <a:schemeClr val="accent1">
-                <a:shade val="50000"/>
-              </a:schemeClr>
-            </a:lnRef>
-            <a:fillRef idx="1">
-              <a:schemeClr val="accent1"/>
-            </a:fillRef>
-            <a:effectRef idx="0">
-              <a:schemeClr val="accent1"/>
-            </a:effectRef>
-            <a:fontRef idx="minor">
-              <a:schemeClr val="lt1"/>
-            </a:fontRef>
-          </p:style>
-          <p:txBody>
-            <a:bodyPr rtlCol="0" anchor="ctr"/>
-            <a:lstStyle/>
-            <a:p>
-              <a:pPr algn="ctr"/>
-              <a:r>
-                <a:rPr lang="en-US" dirty="0">
-                  <a:solidFill>
-                    <a:sysClr val="windowText" lastClr="000000"/>
-                  </a:solidFill>
-                </a:rPr>
-                <a:t>helper_function()</a:t>
-              </a:r>
-            </a:p>
-          </p:txBody>
-        </p:sp>
-        <p:sp>
-          <p:nvSpPr>
-            <p:cNvPr id="6" name="Rectangle 5">
-              <a:extLst>
-                <a:ext uri="{FF2B5EF4-FFF2-40B4-BE49-F238E27FC236}">
-                  <a16:creationId xmlns:a16="http://schemas.microsoft.com/office/drawing/2014/main" id="{6DDD4C6B-5BED-4E80-B8A4-613065718310}"/>
-                </a:ext>
-              </a:extLst>
-            </p:cNvPr>
-            <p:cNvSpPr/>
-            <p:nvPr/>
-          </p:nvSpPr>
-          <p:spPr>
-            <a:xfrm>
-              <a:off x="2318478" y="4542008"/>
-              <a:ext cx="2608288" cy="704538"/>
-            </a:xfrm>
-            <a:prstGeom prst="rect">
-              <a:avLst/>
-            </a:prstGeom>
+          </a:ln>
+        </p:spPr>
+        <p:style>
+          <a:lnRef idx="2">
+            <a:schemeClr val="accent1">
+              <a:shade val="50000"/>
+            </a:schemeClr>
+          </a:lnRef>
+          <a:fillRef idx="1">
+            <a:schemeClr val="accent1"/>
+          </a:fillRef>
+          <a:effectRef idx="0">
+            <a:schemeClr val="accent1"/>
+          </a:effectRef>
+          <a:fontRef idx="minor">
+            <a:schemeClr val="lt1"/>
+          </a:fontRef>
+        </p:style>
+        <p:txBody>
+          <a:bodyPr rtlCol="0" anchor="ctr"/>
+          <a:lstStyle/>
+          <a:p>
+            <a:pPr algn="ctr"/>
+            <a:r>
+              <a:rPr lang="en-US" dirty="0">
+                <a:solidFill>
+                  <a:sysClr val="windowText" lastClr="000000"/>
+                </a:solidFill>
+              </a:rPr>
+              <a:t>helper_function()</a:t>
+            </a:r>
+          </a:p>
+        </p:txBody>
+      </p:sp>
+      <p:sp>
+        <p:nvSpPr>
+          <p:cNvPr id="6" name="Rectangle 5">
+            <a:extLst>
+              <a:ext uri="{FF2B5EF4-FFF2-40B4-BE49-F238E27FC236}">
+                <a16:creationId xmlns:a16="http://schemas.microsoft.com/office/drawing/2014/main" id="{6DDD4C6B-5BED-4E80-B8A4-613065718310}"/>
+              </a:ext>
+            </a:extLst>
+          </p:cNvPr>
+          <p:cNvSpPr/>
+          <p:nvPr/>
+        </p:nvSpPr>
+        <p:spPr>
+          <a:xfrm>
+            <a:off x="2608241" y="4609378"/>
+            <a:ext cx="2513753" cy="679003"/>
+          </a:xfrm>
+          <a:prstGeom prst="rect">
+            <a:avLst/>
+          </a:prstGeom>
+          <a:solidFill>
+            <a:schemeClr val="accent1">
+              <a:lumMod val="40000"/>
+              <a:lumOff val="60000"/>
+            </a:schemeClr>
+          </a:solidFill>
+          <a:ln w="12700">
             <a:solidFill>
-              <a:schemeClr val="accent1">
-                <a:lumMod val="40000"/>
-                <a:lumOff val="60000"/>
-              </a:schemeClr>
+              <a:schemeClr val="tx1"/>
             </a:solidFill>
-            <a:ln w="12700">
-              <a:solidFill>
-                <a:schemeClr val="tx1"/>
-              </a:solidFill>
-            </a:ln>
-          </p:spPr>
-          <p:style>
-            <a:lnRef idx="2">
-              <a:schemeClr val="accent1">
-                <a:shade val="50000"/>
-              </a:schemeClr>
-            </a:lnRef>
-            <a:fillRef idx="1">
-              <a:schemeClr val="accent1"/>
-            </a:fillRef>
-            <a:effectRef idx="0">
-              <a:schemeClr val="accent1"/>
-            </a:effectRef>
-            <a:fontRef idx="minor">
-              <a:schemeClr val="lt1"/>
-            </a:fontRef>
-          </p:style>
-          <p:txBody>
-            <a:bodyPr rtlCol="0" anchor="ctr"/>
-            <a:lstStyle/>
-            <a:p>
-              <a:pPr algn="ctr"/>
-              <a:r>
-                <a:rPr lang="en-US" dirty="0">
-                  <a:solidFill>
-                    <a:sysClr val="windowText" lastClr="000000"/>
-                  </a:solidFill>
-                </a:rPr>
-                <a:t>subpackage_function()</a:t>
-              </a:r>
-            </a:p>
-          </p:txBody>
-        </p:sp>
-        <p:cxnSp>
-          <p:nvCxnSpPr>
-            <p:cNvPr id="12" name="Connector: Elbow 11">
-              <a:extLst>
-                <a:ext uri="{FF2B5EF4-FFF2-40B4-BE49-F238E27FC236}">
-                  <a16:creationId xmlns:a16="http://schemas.microsoft.com/office/drawing/2014/main" id="{7DAA78FD-47B7-4AA5-84B4-EF8D7EDAE919}"/>
-                </a:ext>
-              </a:extLst>
-            </p:cNvPr>
-            <p:cNvCxnSpPr>
-              <a:cxnSpLocks/>
-              <a:stCxn id="5" idx="2"/>
-              <a:endCxn id="14" idx="0"/>
-            </p:cNvCxnSpPr>
-            <p:nvPr/>
-          </p:nvCxnSpPr>
-          <p:spPr>
-            <a:xfrm rot="16200000" flipH="1">
-              <a:off x="5205961" y="2505229"/>
-              <a:ext cx="745757" cy="1304144"/>
-            </a:xfrm>
-            <a:prstGeom prst="bentConnector3">
-              <a:avLst/>
-            </a:prstGeom>
-            <a:ln w="12700">
-              <a:solidFill>
-                <a:schemeClr val="tx1"/>
-              </a:solidFill>
-              <a:tailEnd type="triangle"/>
-            </a:ln>
-          </p:spPr>
-          <p:style>
-            <a:lnRef idx="1">
-              <a:schemeClr val="accent1"/>
-            </a:lnRef>
-            <a:fillRef idx="0">
-              <a:schemeClr val="accent1"/>
-            </a:fillRef>
-            <a:effectRef idx="0">
-              <a:schemeClr val="accent1"/>
-            </a:effectRef>
-            <a:fontRef idx="minor">
+          </a:ln>
+        </p:spPr>
+        <p:style>
+          <a:lnRef idx="2">
+            <a:schemeClr val="accent1">
+              <a:shade val="50000"/>
+            </a:schemeClr>
+          </a:lnRef>
+          <a:fillRef idx="1">
+            <a:schemeClr val="accent1"/>
+          </a:fillRef>
+          <a:effectRef idx="0">
+            <a:schemeClr val="accent1"/>
+          </a:effectRef>
+          <a:fontRef idx="minor">
+            <a:schemeClr val="lt1"/>
+          </a:fontRef>
+        </p:style>
+        <p:txBody>
+          <a:bodyPr rtlCol="0" anchor="ctr"/>
+          <a:lstStyle/>
+          <a:p>
+            <a:pPr algn="ctr"/>
+            <a:r>
+              <a:rPr lang="en-US" dirty="0">
+                <a:solidFill>
+                  <a:sysClr val="windowText" lastClr="000000"/>
+                </a:solidFill>
+              </a:rPr>
+              <a:t>subpackage_function()</a:t>
+            </a:r>
+          </a:p>
+        </p:txBody>
+      </p:sp>
+      <p:cxnSp>
+        <p:nvCxnSpPr>
+          <p:cNvPr id="12" name="Connector: Elbow 11">
+            <a:extLst>
+              <a:ext uri="{FF2B5EF4-FFF2-40B4-BE49-F238E27FC236}">
+                <a16:creationId xmlns:a16="http://schemas.microsoft.com/office/drawing/2014/main" id="{7DAA78FD-47B7-4AA5-84B4-EF8D7EDAE919}"/>
+              </a:ext>
+            </a:extLst>
+          </p:cNvPr>
+          <p:cNvCxnSpPr>
+            <a:cxnSpLocks/>
+            <a:stCxn id="5" idx="2"/>
+            <a:endCxn id="14" idx="0"/>
+          </p:cNvCxnSpPr>
+          <p:nvPr/>
+        </p:nvCxnSpPr>
+        <p:spPr>
+          <a:xfrm rot="16200000" flipH="1">
+            <a:off x="5391070" y="2646420"/>
+            <a:ext cx="718728" cy="1256876"/>
+          </a:xfrm>
+          <a:prstGeom prst="bentConnector3">
+            <a:avLst/>
+          </a:prstGeom>
+          <a:ln w="12700">
+            <a:solidFill>
               <a:schemeClr val="tx1"/>
-            </a:fontRef>
-          </p:style>
-        </p:cxnSp>
-        <p:sp>
-          <p:nvSpPr>
-            <p:cNvPr id="13" name="Rectangle 12">
-              <a:extLst>
-                <a:ext uri="{FF2B5EF4-FFF2-40B4-BE49-F238E27FC236}">
-                  <a16:creationId xmlns:a16="http://schemas.microsoft.com/office/drawing/2014/main" id="{EE3C6237-8FFB-49FC-B358-2DC63A556919}"/>
-                </a:ext>
-              </a:extLst>
-            </p:cNvPr>
-            <p:cNvSpPr/>
-            <p:nvPr/>
-          </p:nvSpPr>
-          <p:spPr>
-            <a:xfrm>
-              <a:off x="2970550" y="3530180"/>
-              <a:ext cx="1304145" cy="408481"/>
-            </a:xfrm>
-            <a:prstGeom prst="rect">
-              <a:avLst/>
-            </a:prstGeom>
-            <a:noFill/>
-            <a:ln w="12700">
-              <a:solidFill>
-                <a:schemeClr val="tx1"/>
-              </a:solidFill>
-            </a:ln>
-          </p:spPr>
-          <p:style>
-            <a:lnRef idx="2">
-              <a:schemeClr val="accent1">
-                <a:shade val="50000"/>
-              </a:schemeClr>
-            </a:lnRef>
-            <a:fillRef idx="1">
-              <a:schemeClr val="accent1"/>
-            </a:fillRef>
-            <a:effectRef idx="0">
-              <a:schemeClr val="accent1"/>
-            </a:effectRef>
-            <a:fontRef idx="minor">
-              <a:schemeClr val="lt1"/>
-            </a:fontRef>
-          </p:style>
-          <p:txBody>
-            <a:bodyPr rtlCol="0" anchor="ctr"/>
-            <a:lstStyle/>
-            <a:p>
-              <a:pPr algn="ctr"/>
-              <a:r>
-                <a:rPr lang="en-US" dirty="0">
-                  <a:solidFill>
-                    <a:sysClr val="windowText" lastClr="000000"/>
-                  </a:solidFill>
-                </a:rPr>
-                <a:t>Not solved!</a:t>
-              </a:r>
-            </a:p>
-          </p:txBody>
-        </p:sp>
-        <p:sp>
-          <p:nvSpPr>
-            <p:cNvPr id="14" name="Rectangle 13">
-              <a:extLst>
-                <a:ext uri="{FF2B5EF4-FFF2-40B4-BE49-F238E27FC236}">
-                  <a16:creationId xmlns:a16="http://schemas.microsoft.com/office/drawing/2014/main" id="{200B28B2-2DDA-49B0-8AAE-5B67D947CC28}"/>
-                </a:ext>
-              </a:extLst>
-            </p:cNvPr>
-            <p:cNvSpPr/>
-            <p:nvPr/>
-          </p:nvSpPr>
-          <p:spPr>
-            <a:xfrm>
-              <a:off x="5578838" y="3530180"/>
-              <a:ext cx="1304145" cy="408481"/>
-            </a:xfrm>
-            <a:prstGeom prst="rect">
-              <a:avLst/>
-            </a:prstGeom>
-            <a:noFill/>
-            <a:ln w="12700">
-              <a:solidFill>
-                <a:schemeClr val="tx1"/>
-              </a:solidFill>
-            </a:ln>
-          </p:spPr>
-          <p:style>
-            <a:lnRef idx="2">
-              <a:schemeClr val="accent1">
-                <a:shade val="50000"/>
-              </a:schemeClr>
-            </a:lnRef>
-            <a:fillRef idx="1">
-              <a:schemeClr val="accent1"/>
-            </a:fillRef>
-            <a:effectRef idx="0">
-              <a:schemeClr val="accent1"/>
-            </a:effectRef>
-            <a:fontRef idx="minor">
-              <a:schemeClr val="lt1"/>
-            </a:fontRef>
-          </p:style>
-          <p:txBody>
-            <a:bodyPr rtlCol="0" anchor="ctr"/>
-            <a:lstStyle/>
-            <a:p>
-              <a:pPr algn="ctr"/>
-              <a:r>
-                <a:rPr lang="en-US" dirty="0">
-                  <a:solidFill>
-                    <a:sysClr val="windowText" lastClr="000000"/>
-                  </a:solidFill>
-                </a:rPr>
-                <a:t>Solved!</a:t>
-              </a:r>
-            </a:p>
-          </p:txBody>
-        </p:sp>
-        <p:cxnSp>
-          <p:nvCxnSpPr>
-            <p:cNvPr id="18" name="Connector: Elbow 17">
-              <a:extLst>
-                <a:ext uri="{FF2B5EF4-FFF2-40B4-BE49-F238E27FC236}">
-                  <a16:creationId xmlns:a16="http://schemas.microsoft.com/office/drawing/2014/main" id="{DFCE4707-963F-4984-BFAE-B406654A42FD}"/>
-                </a:ext>
-              </a:extLst>
-            </p:cNvPr>
-            <p:cNvCxnSpPr>
-              <a:stCxn id="5" idx="2"/>
-              <a:endCxn id="13" idx="0"/>
-            </p:cNvCxnSpPr>
-            <p:nvPr/>
-          </p:nvCxnSpPr>
-          <p:spPr>
-            <a:xfrm rot="5400000">
-              <a:off x="3901817" y="2505229"/>
-              <a:ext cx="745757" cy="1304144"/>
-            </a:xfrm>
-            <a:prstGeom prst="bentConnector3">
-              <a:avLst/>
-            </a:prstGeom>
-            <a:ln w="12700">
-              <a:solidFill>
-                <a:schemeClr val="tx1"/>
-              </a:solidFill>
-              <a:tailEnd type="triangle"/>
-            </a:ln>
-          </p:spPr>
-          <p:style>
-            <a:lnRef idx="1">
-              <a:schemeClr val="accent1"/>
-            </a:lnRef>
-            <a:fillRef idx="0">
-              <a:schemeClr val="accent1"/>
-            </a:fillRef>
-            <a:effectRef idx="0">
-              <a:schemeClr val="accent1"/>
-            </a:effectRef>
-            <a:fontRef idx="minor">
+            </a:solidFill>
+            <a:tailEnd type="triangle"/>
+          </a:ln>
+        </p:spPr>
+        <p:style>
+          <a:lnRef idx="1">
+            <a:schemeClr val="accent1"/>
+          </a:lnRef>
+          <a:fillRef idx="0">
+            <a:schemeClr val="accent1"/>
+          </a:fillRef>
+          <a:effectRef idx="0">
+            <a:schemeClr val="accent1"/>
+          </a:effectRef>
+          <a:fontRef idx="minor">
+            <a:schemeClr val="tx1"/>
+          </a:fontRef>
+        </p:style>
+      </p:cxnSp>
+      <p:sp>
+        <p:nvSpPr>
+          <p:cNvPr id="13" name="Rectangle 12">
+            <a:extLst>
+              <a:ext uri="{FF2B5EF4-FFF2-40B4-BE49-F238E27FC236}">
+                <a16:creationId xmlns:a16="http://schemas.microsoft.com/office/drawing/2014/main" id="{EE3C6237-8FFB-49FC-B358-2DC63A556919}"/>
+              </a:ext>
+            </a:extLst>
+          </p:cNvPr>
+          <p:cNvSpPr/>
+          <p:nvPr/>
+        </p:nvSpPr>
+        <p:spPr>
+          <a:xfrm>
+            <a:off x="3236679" y="3634223"/>
+            <a:ext cx="1256877" cy="393676"/>
+          </a:xfrm>
+          <a:prstGeom prst="rect">
+            <a:avLst/>
+          </a:prstGeom>
+          <a:noFill/>
+          <a:ln w="12700">
+            <a:solidFill>
               <a:schemeClr val="tx1"/>
-            </a:fontRef>
-          </p:style>
-        </p:cxnSp>
-        <p:cxnSp>
-          <p:nvCxnSpPr>
-            <p:cNvPr id="26" name="Straight Arrow Connector 25">
-              <a:extLst>
-                <a:ext uri="{FF2B5EF4-FFF2-40B4-BE49-F238E27FC236}">
-                  <a16:creationId xmlns:a16="http://schemas.microsoft.com/office/drawing/2014/main" id="{3B332B46-721F-491E-8326-EAFCF5098DC6}"/>
-                </a:ext>
-              </a:extLst>
-            </p:cNvPr>
-            <p:cNvCxnSpPr>
-              <a:stCxn id="13" idx="2"/>
-              <a:endCxn id="6" idx="0"/>
-            </p:cNvCxnSpPr>
-            <p:nvPr/>
-          </p:nvCxnSpPr>
-          <p:spPr>
-            <a:xfrm flipH="1">
-              <a:off x="3622622" y="3938661"/>
-              <a:ext cx="1" cy="603347"/>
-            </a:xfrm>
-            <a:prstGeom prst="straightConnector1">
-              <a:avLst/>
-            </a:prstGeom>
-            <a:ln w="12700">
-              <a:solidFill>
-                <a:schemeClr val="tx1"/>
-              </a:solidFill>
-              <a:tailEnd type="triangle"/>
-            </a:ln>
-          </p:spPr>
-          <p:style>
-            <a:lnRef idx="1">
-              <a:schemeClr val="accent1"/>
-            </a:lnRef>
-            <a:fillRef idx="0">
-              <a:schemeClr val="accent1"/>
-            </a:fillRef>
-            <a:effectRef idx="0">
-              <a:schemeClr val="accent1"/>
-            </a:effectRef>
-            <a:fontRef idx="minor">
+            </a:solidFill>
+          </a:ln>
+        </p:spPr>
+        <p:style>
+          <a:lnRef idx="2">
+            <a:schemeClr val="accent1">
+              <a:shade val="50000"/>
+            </a:schemeClr>
+          </a:lnRef>
+          <a:fillRef idx="1">
+            <a:schemeClr val="accent1"/>
+          </a:fillRef>
+          <a:effectRef idx="0">
+            <a:schemeClr val="accent1"/>
+          </a:effectRef>
+          <a:fontRef idx="minor">
+            <a:schemeClr val="lt1"/>
+          </a:fontRef>
+        </p:style>
+        <p:txBody>
+          <a:bodyPr rtlCol="0" anchor="ctr"/>
+          <a:lstStyle/>
+          <a:p>
+            <a:pPr algn="ctr"/>
+            <a:r>
+              <a:rPr lang="en-US" dirty="0">
+                <a:solidFill>
+                  <a:sysClr val="windowText" lastClr="000000"/>
+                </a:solidFill>
+              </a:rPr>
+              <a:t>Not solved!</a:t>
+            </a:r>
+          </a:p>
+        </p:txBody>
+      </p:sp>
+      <p:sp>
+        <p:nvSpPr>
+          <p:cNvPr id="14" name="Rectangle 13">
+            <a:extLst>
+              <a:ext uri="{FF2B5EF4-FFF2-40B4-BE49-F238E27FC236}">
+                <a16:creationId xmlns:a16="http://schemas.microsoft.com/office/drawing/2014/main" id="{200B28B2-2DDA-49B0-8AAE-5B67D947CC28}"/>
+              </a:ext>
+            </a:extLst>
+          </p:cNvPr>
+          <p:cNvSpPr/>
+          <p:nvPr/>
+        </p:nvSpPr>
+        <p:spPr>
+          <a:xfrm>
+            <a:off x="5750432" y="3634223"/>
+            <a:ext cx="1256877" cy="393676"/>
+          </a:xfrm>
+          <a:prstGeom prst="rect">
+            <a:avLst/>
+          </a:prstGeom>
+          <a:noFill/>
+          <a:ln w="12700">
+            <a:solidFill>
               <a:schemeClr val="tx1"/>
-            </a:fontRef>
-          </p:style>
-        </p:cxnSp>
-        <p:cxnSp>
-          <p:nvCxnSpPr>
-            <p:cNvPr id="27" name="Connector: Elbow 26">
-              <a:extLst>
-                <a:ext uri="{FF2B5EF4-FFF2-40B4-BE49-F238E27FC236}">
-                  <a16:creationId xmlns:a16="http://schemas.microsoft.com/office/drawing/2014/main" id="{A3EF4DE1-9705-403E-9C1D-27B6D9F85269}"/>
-                </a:ext>
-              </a:extLst>
-            </p:cNvPr>
-            <p:cNvCxnSpPr>
-              <a:cxnSpLocks/>
-              <a:endCxn id="29" idx="0"/>
-            </p:cNvCxnSpPr>
-            <p:nvPr/>
-          </p:nvCxnSpPr>
-          <p:spPr>
-            <a:xfrm rot="16200000" flipH="1">
-              <a:off x="3901817" y="4967353"/>
-              <a:ext cx="745757" cy="1304144"/>
-            </a:xfrm>
-            <a:prstGeom prst="bentConnector3">
-              <a:avLst/>
-            </a:prstGeom>
-            <a:ln w="12700">
-              <a:solidFill>
-                <a:schemeClr val="tx1"/>
-              </a:solidFill>
-              <a:tailEnd type="triangle"/>
-            </a:ln>
-          </p:spPr>
-          <p:style>
-            <a:lnRef idx="1">
-              <a:schemeClr val="accent1"/>
-            </a:lnRef>
-            <a:fillRef idx="0">
-              <a:schemeClr val="accent1"/>
-            </a:fillRef>
-            <a:effectRef idx="0">
-              <a:schemeClr val="accent1"/>
-            </a:effectRef>
-            <a:fontRef idx="minor">
+            </a:solidFill>
+          </a:ln>
+        </p:spPr>
+        <p:style>
+          <a:lnRef idx="2">
+            <a:schemeClr val="accent1">
+              <a:shade val="50000"/>
+            </a:schemeClr>
+          </a:lnRef>
+          <a:fillRef idx="1">
+            <a:schemeClr val="accent1"/>
+          </a:fillRef>
+          <a:effectRef idx="0">
+            <a:schemeClr val="accent1"/>
+          </a:effectRef>
+          <a:fontRef idx="minor">
+            <a:schemeClr val="lt1"/>
+          </a:fontRef>
+        </p:style>
+        <p:txBody>
+          <a:bodyPr rtlCol="0" anchor="ctr"/>
+          <a:lstStyle/>
+          <a:p>
+            <a:pPr algn="ctr"/>
+            <a:r>
+              <a:rPr lang="en-US" dirty="0">
+                <a:solidFill>
+                  <a:sysClr val="windowText" lastClr="000000"/>
+                </a:solidFill>
+              </a:rPr>
+              <a:t>Solved!</a:t>
+            </a:r>
+          </a:p>
+        </p:txBody>
+      </p:sp>
+      <p:cxnSp>
+        <p:nvCxnSpPr>
+          <p:cNvPr id="18" name="Connector: Elbow 17">
+            <a:extLst>
+              <a:ext uri="{FF2B5EF4-FFF2-40B4-BE49-F238E27FC236}">
+                <a16:creationId xmlns:a16="http://schemas.microsoft.com/office/drawing/2014/main" id="{DFCE4707-963F-4984-BFAE-B406654A42FD}"/>
+              </a:ext>
+            </a:extLst>
+          </p:cNvPr>
+          <p:cNvCxnSpPr>
+            <a:cxnSpLocks/>
+            <a:stCxn id="5" idx="2"/>
+            <a:endCxn id="13" idx="0"/>
+          </p:cNvCxnSpPr>
+          <p:nvPr/>
+        </p:nvCxnSpPr>
+        <p:spPr>
+          <a:xfrm rot="5400000">
+            <a:off x="4134193" y="2646420"/>
+            <a:ext cx="718728" cy="1256876"/>
+          </a:xfrm>
+          <a:prstGeom prst="bentConnector3">
+            <a:avLst/>
+          </a:prstGeom>
+          <a:ln w="12700">
+            <a:solidFill>
               <a:schemeClr val="tx1"/>
-            </a:fontRef>
-          </p:style>
-        </p:cxnSp>
-        <p:sp>
-          <p:nvSpPr>
-            <p:cNvPr id="28" name="Rectangle 27">
-              <a:extLst>
-                <a:ext uri="{FF2B5EF4-FFF2-40B4-BE49-F238E27FC236}">
-                  <a16:creationId xmlns:a16="http://schemas.microsoft.com/office/drawing/2014/main" id="{3B19EA93-5902-4BB7-B0BB-C602CC4FDFB2}"/>
-                </a:ext>
-              </a:extLst>
-            </p:cNvPr>
-            <p:cNvSpPr/>
-            <p:nvPr/>
-          </p:nvSpPr>
-          <p:spPr>
-            <a:xfrm>
-              <a:off x="1666406" y="5992304"/>
-              <a:ext cx="1304145" cy="408481"/>
-            </a:xfrm>
-            <a:prstGeom prst="rect">
-              <a:avLst/>
-            </a:prstGeom>
-            <a:noFill/>
-            <a:ln w="12700">
-              <a:solidFill>
-                <a:schemeClr val="tx1"/>
-              </a:solidFill>
-            </a:ln>
-          </p:spPr>
-          <p:style>
-            <a:lnRef idx="2">
-              <a:schemeClr val="accent1">
-                <a:shade val="50000"/>
-              </a:schemeClr>
-            </a:lnRef>
-            <a:fillRef idx="1">
-              <a:schemeClr val="accent1"/>
-            </a:fillRef>
-            <a:effectRef idx="0">
-              <a:schemeClr val="accent1"/>
-            </a:effectRef>
-            <a:fontRef idx="minor">
-              <a:schemeClr val="lt1"/>
-            </a:fontRef>
-          </p:style>
-          <p:txBody>
-            <a:bodyPr rtlCol="0" anchor="ctr"/>
-            <a:lstStyle/>
-            <a:p>
-              <a:pPr algn="ctr"/>
-              <a:r>
-                <a:rPr lang="en-US" dirty="0">
-                  <a:solidFill>
-                    <a:sysClr val="windowText" lastClr="000000"/>
-                  </a:solidFill>
-                </a:rPr>
-                <a:t>Not solved!</a:t>
-              </a:r>
-            </a:p>
-          </p:txBody>
-        </p:sp>
-        <p:sp>
-          <p:nvSpPr>
-            <p:cNvPr id="29" name="Rectangle 28">
-              <a:extLst>
-                <a:ext uri="{FF2B5EF4-FFF2-40B4-BE49-F238E27FC236}">
-                  <a16:creationId xmlns:a16="http://schemas.microsoft.com/office/drawing/2014/main" id="{0870FFAD-159C-4856-90A9-1F0E03806C6F}"/>
-                </a:ext>
-              </a:extLst>
-            </p:cNvPr>
-            <p:cNvSpPr/>
-            <p:nvPr/>
-          </p:nvSpPr>
-          <p:spPr>
-            <a:xfrm>
-              <a:off x="4274694" y="5992304"/>
-              <a:ext cx="1304145" cy="408481"/>
-            </a:xfrm>
-            <a:prstGeom prst="rect">
-              <a:avLst/>
-            </a:prstGeom>
-            <a:noFill/>
-            <a:ln w="12700">
-              <a:solidFill>
-                <a:schemeClr val="tx1"/>
-              </a:solidFill>
-            </a:ln>
-          </p:spPr>
-          <p:style>
-            <a:lnRef idx="2">
-              <a:schemeClr val="accent1">
-                <a:shade val="50000"/>
-              </a:schemeClr>
-            </a:lnRef>
-            <a:fillRef idx="1">
-              <a:schemeClr val="accent1"/>
-            </a:fillRef>
-            <a:effectRef idx="0">
-              <a:schemeClr val="accent1"/>
-            </a:effectRef>
-            <a:fontRef idx="minor">
-              <a:schemeClr val="lt1"/>
-            </a:fontRef>
-          </p:style>
-          <p:txBody>
-            <a:bodyPr rtlCol="0" anchor="ctr"/>
-            <a:lstStyle/>
-            <a:p>
-              <a:pPr algn="ctr"/>
-              <a:r>
-                <a:rPr lang="en-US" dirty="0">
-                  <a:solidFill>
-                    <a:sysClr val="windowText" lastClr="000000"/>
-                  </a:solidFill>
-                </a:rPr>
-                <a:t>Solved!</a:t>
-              </a:r>
-            </a:p>
-          </p:txBody>
-        </p:sp>
-        <p:cxnSp>
-          <p:nvCxnSpPr>
-            <p:cNvPr id="30" name="Connector: Elbow 29">
-              <a:extLst>
-                <a:ext uri="{FF2B5EF4-FFF2-40B4-BE49-F238E27FC236}">
-                  <a16:creationId xmlns:a16="http://schemas.microsoft.com/office/drawing/2014/main" id="{8B807388-A734-47AB-8BBC-9642526173AB}"/>
-                </a:ext>
-              </a:extLst>
-            </p:cNvPr>
-            <p:cNvCxnSpPr>
-              <a:endCxn id="28" idx="0"/>
-            </p:cNvCxnSpPr>
-            <p:nvPr/>
-          </p:nvCxnSpPr>
-          <p:spPr>
-            <a:xfrm rot="5400000">
-              <a:off x="2597673" y="4967353"/>
-              <a:ext cx="745757" cy="1304144"/>
-            </a:xfrm>
-            <a:prstGeom prst="bentConnector3">
-              <a:avLst/>
-            </a:prstGeom>
-            <a:ln w="12700">
-              <a:solidFill>
-                <a:schemeClr val="tx1"/>
-              </a:solidFill>
-              <a:tailEnd type="triangle"/>
-            </a:ln>
-          </p:spPr>
-          <p:style>
-            <a:lnRef idx="1">
-              <a:schemeClr val="accent1"/>
-            </a:lnRef>
-            <a:fillRef idx="0">
-              <a:schemeClr val="accent1"/>
-            </a:fillRef>
-            <a:effectRef idx="0">
-              <a:schemeClr val="accent1"/>
-            </a:effectRef>
-            <a:fontRef idx="minor">
+            </a:solidFill>
+            <a:tailEnd type="triangle"/>
+          </a:ln>
+        </p:spPr>
+        <p:style>
+          <a:lnRef idx="1">
+            <a:schemeClr val="accent1"/>
+          </a:lnRef>
+          <a:fillRef idx="0">
+            <a:schemeClr val="accent1"/>
+          </a:fillRef>
+          <a:effectRef idx="0">
+            <a:schemeClr val="accent1"/>
+          </a:effectRef>
+          <a:fontRef idx="minor">
+            <a:schemeClr val="tx1"/>
+          </a:fontRef>
+        </p:style>
+      </p:cxnSp>
+      <p:cxnSp>
+        <p:nvCxnSpPr>
+          <p:cNvPr id="26" name="Straight Arrow Connector 25">
+            <a:extLst>
+              <a:ext uri="{FF2B5EF4-FFF2-40B4-BE49-F238E27FC236}">
+                <a16:creationId xmlns:a16="http://schemas.microsoft.com/office/drawing/2014/main" id="{3B332B46-721F-491E-8326-EAFCF5098DC6}"/>
+              </a:ext>
+            </a:extLst>
+          </p:cNvPr>
+          <p:cNvCxnSpPr>
+            <a:stCxn id="13" idx="2"/>
+            <a:endCxn id="6" idx="0"/>
+          </p:cNvCxnSpPr>
+          <p:nvPr/>
+        </p:nvCxnSpPr>
+        <p:spPr>
+          <a:xfrm flipH="1">
+            <a:off x="3865118" y="4027899"/>
+            <a:ext cx="1" cy="581479"/>
+          </a:xfrm>
+          <a:prstGeom prst="straightConnector1">
+            <a:avLst/>
+          </a:prstGeom>
+          <a:ln w="12700">
+            <a:solidFill>
               <a:schemeClr val="tx1"/>
-            </a:fontRef>
-          </p:style>
-        </p:cxnSp>
-        <p:cxnSp>
-          <p:nvCxnSpPr>
-            <p:cNvPr id="32" name="Connector: Elbow 31">
-              <a:extLst>
-                <a:ext uri="{FF2B5EF4-FFF2-40B4-BE49-F238E27FC236}">
-                  <a16:creationId xmlns:a16="http://schemas.microsoft.com/office/drawing/2014/main" id="{8EDDDFBB-3AC0-4A20-A01C-71A1C7E0B32D}"/>
-                </a:ext>
-              </a:extLst>
-            </p:cNvPr>
-            <p:cNvCxnSpPr>
-              <a:stCxn id="28" idx="1"/>
-              <a:endCxn id="5" idx="1"/>
-            </p:cNvCxnSpPr>
-            <p:nvPr/>
-          </p:nvCxnSpPr>
-          <p:spPr>
-            <a:xfrm rot="10800000" flipH="1">
-              <a:off x="1666405" y="2432155"/>
-              <a:ext cx="1956217" cy="3764391"/>
-            </a:xfrm>
-            <a:prstGeom prst="bentConnector3">
-              <a:avLst>
-                <a:gd name="adj1" fmla="val -11686"/>
-              </a:avLst>
-            </a:prstGeom>
-            <a:ln w="12700">
-              <a:solidFill>
-                <a:schemeClr val="tx1"/>
-              </a:solidFill>
-              <a:tailEnd type="triangle"/>
-            </a:ln>
-          </p:spPr>
-          <p:style>
-            <a:lnRef idx="1">
-              <a:schemeClr val="accent1"/>
-            </a:lnRef>
-            <a:fillRef idx="0">
-              <a:schemeClr val="accent1"/>
-            </a:fillRef>
-            <a:effectRef idx="0">
-              <a:schemeClr val="accent1"/>
-            </a:effectRef>
-            <a:fontRef idx="minor">
+            </a:solidFill>
+            <a:tailEnd type="triangle"/>
+          </a:ln>
+        </p:spPr>
+        <p:style>
+          <a:lnRef idx="1">
+            <a:schemeClr val="accent1"/>
+          </a:lnRef>
+          <a:fillRef idx="0">
+            <a:schemeClr val="accent1"/>
+          </a:fillRef>
+          <a:effectRef idx="0">
+            <a:schemeClr val="accent1"/>
+          </a:effectRef>
+          <a:fontRef idx="minor">
+            <a:schemeClr val="tx1"/>
+          </a:fontRef>
+        </p:style>
+      </p:cxnSp>
+      <p:cxnSp>
+        <p:nvCxnSpPr>
+          <p:cNvPr id="27" name="Connector: Elbow 26">
+            <a:extLst>
+              <a:ext uri="{FF2B5EF4-FFF2-40B4-BE49-F238E27FC236}">
+                <a16:creationId xmlns:a16="http://schemas.microsoft.com/office/drawing/2014/main" id="{A3EF4DE1-9705-403E-9C1D-27B6D9F85269}"/>
+              </a:ext>
+            </a:extLst>
+          </p:cNvPr>
+          <p:cNvCxnSpPr>
+            <a:cxnSpLocks/>
+            <a:endCxn id="29" idx="0"/>
+          </p:cNvCxnSpPr>
+          <p:nvPr/>
+        </p:nvCxnSpPr>
+        <p:spPr>
+          <a:xfrm rot="16200000" flipH="1">
+            <a:off x="4134193" y="5019307"/>
+            <a:ext cx="718728" cy="1256876"/>
+          </a:xfrm>
+          <a:prstGeom prst="bentConnector3">
+            <a:avLst/>
+          </a:prstGeom>
+          <a:ln w="12700">
+            <a:solidFill>
               <a:schemeClr val="tx1"/>
-            </a:fontRef>
-          </p:style>
-        </p:cxnSp>
-        <p:cxnSp>
-          <p:nvCxnSpPr>
-            <p:cNvPr id="40" name="Connector: Elbow 39">
-              <a:extLst>
-                <a:ext uri="{FF2B5EF4-FFF2-40B4-BE49-F238E27FC236}">
-                  <a16:creationId xmlns:a16="http://schemas.microsoft.com/office/drawing/2014/main" id="{30158219-D26A-4B77-A1EC-EEA61577FE53}"/>
-                </a:ext>
-              </a:extLst>
-            </p:cNvPr>
-            <p:cNvCxnSpPr>
-              <a:cxnSpLocks/>
-              <a:stCxn id="14" idx="3"/>
-              <a:endCxn id="41" idx="1"/>
-            </p:cNvCxnSpPr>
-            <p:nvPr/>
-          </p:nvCxnSpPr>
-          <p:spPr>
-            <a:xfrm>
-              <a:off x="6882983" y="3734421"/>
-              <a:ext cx="1346617" cy="1122392"/>
-            </a:xfrm>
-            <a:prstGeom prst="bentConnector3">
-              <a:avLst/>
-            </a:prstGeom>
-            <a:ln w="12700">
-              <a:solidFill>
-                <a:schemeClr val="tx1"/>
-              </a:solidFill>
-              <a:tailEnd type="triangle"/>
-            </a:ln>
-          </p:spPr>
-          <p:style>
-            <a:lnRef idx="1">
-              <a:schemeClr val="accent1"/>
-            </a:lnRef>
-            <a:fillRef idx="0">
-              <a:schemeClr val="accent1"/>
-            </a:fillRef>
-            <a:effectRef idx="0">
-              <a:schemeClr val="accent1"/>
-            </a:effectRef>
-            <a:fontRef idx="minor">
+            </a:solidFill>
+            <a:tailEnd type="triangle"/>
+          </a:ln>
+        </p:spPr>
+        <p:style>
+          <a:lnRef idx="1">
+            <a:schemeClr val="accent1"/>
+          </a:lnRef>
+          <a:fillRef idx="0">
+            <a:schemeClr val="accent1"/>
+          </a:fillRef>
+          <a:effectRef idx="0">
+            <a:schemeClr val="accent1"/>
+          </a:effectRef>
+          <a:fontRef idx="minor">
+            <a:schemeClr val="tx1"/>
+          </a:fontRef>
+        </p:style>
+      </p:cxnSp>
+      <p:sp>
+        <p:nvSpPr>
+          <p:cNvPr id="28" name="Rectangle 27">
+            <a:extLst>
+              <a:ext uri="{FF2B5EF4-FFF2-40B4-BE49-F238E27FC236}">
+                <a16:creationId xmlns:a16="http://schemas.microsoft.com/office/drawing/2014/main" id="{3B19EA93-5902-4BB7-B0BB-C602CC4FDFB2}"/>
+              </a:ext>
+            </a:extLst>
+          </p:cNvPr>
+          <p:cNvSpPr/>
+          <p:nvPr/>
+        </p:nvSpPr>
+        <p:spPr>
+          <a:xfrm>
+            <a:off x="1979803" y="6007109"/>
+            <a:ext cx="1256877" cy="393676"/>
+          </a:xfrm>
+          <a:prstGeom prst="rect">
+            <a:avLst/>
+          </a:prstGeom>
+          <a:noFill/>
+          <a:ln w="12700">
+            <a:solidFill>
               <a:schemeClr val="tx1"/>
-            </a:fontRef>
-          </p:style>
-        </p:cxnSp>
-        <p:sp>
-          <p:nvSpPr>
-            <p:cNvPr id="41" name="Rectangle 40">
-              <a:extLst>
-                <a:ext uri="{FF2B5EF4-FFF2-40B4-BE49-F238E27FC236}">
-                  <a16:creationId xmlns:a16="http://schemas.microsoft.com/office/drawing/2014/main" id="{D6996A4F-6EF0-4C48-BA1D-69A276EB12EF}"/>
-                </a:ext>
-              </a:extLst>
-            </p:cNvPr>
-            <p:cNvSpPr/>
-            <p:nvPr/>
-          </p:nvSpPr>
-          <p:spPr>
-            <a:xfrm>
-              <a:off x="8229600" y="4559826"/>
-              <a:ext cx="2083632" cy="593974"/>
-            </a:xfrm>
-            <a:prstGeom prst="rect">
-              <a:avLst/>
-            </a:prstGeom>
-            <a:noFill/>
-            <a:ln w="12700">
-              <a:solidFill>
-                <a:schemeClr val="tx1"/>
-              </a:solidFill>
-            </a:ln>
-          </p:spPr>
-          <p:style>
-            <a:lnRef idx="2">
-              <a:schemeClr val="accent1">
-                <a:shade val="50000"/>
-              </a:schemeClr>
-            </a:lnRef>
-            <a:fillRef idx="1">
-              <a:schemeClr val="accent1"/>
-            </a:fillRef>
-            <a:effectRef idx="0">
-              <a:schemeClr val="accent1"/>
-            </a:effectRef>
-            <a:fontRef idx="minor">
-              <a:schemeClr val="lt1"/>
-            </a:fontRef>
-          </p:style>
-          <p:txBody>
-            <a:bodyPr rtlCol="0" anchor="ctr"/>
-            <a:lstStyle/>
-            <a:p>
-              <a:pPr algn="ctr"/>
-              <a:r>
-                <a:rPr lang="en-US" dirty="0">
-                  <a:solidFill>
-                    <a:sysClr val="windowText" lastClr="000000"/>
-                  </a:solidFill>
-                </a:rPr>
-                <a:t>Print the solution.</a:t>
-              </a:r>
-            </a:p>
-          </p:txBody>
-        </p:sp>
-        <p:cxnSp>
-          <p:nvCxnSpPr>
-            <p:cNvPr id="44" name="Connector: Elbow 43">
-              <a:extLst>
-                <a:ext uri="{FF2B5EF4-FFF2-40B4-BE49-F238E27FC236}">
-                  <a16:creationId xmlns:a16="http://schemas.microsoft.com/office/drawing/2014/main" id="{C354F916-6766-4E76-BD70-4730F466C229}"/>
-                </a:ext>
-              </a:extLst>
-            </p:cNvPr>
-            <p:cNvCxnSpPr>
-              <a:stCxn id="29" idx="3"/>
-              <a:endCxn id="41" idx="1"/>
-            </p:cNvCxnSpPr>
-            <p:nvPr/>
-          </p:nvCxnSpPr>
-          <p:spPr>
-            <a:xfrm flipV="1">
-              <a:off x="5578839" y="4856813"/>
-              <a:ext cx="2650761" cy="1339732"/>
-            </a:xfrm>
-            <a:prstGeom prst="bentConnector3">
-              <a:avLst>
-                <a:gd name="adj1" fmla="val 74882"/>
-              </a:avLst>
-            </a:prstGeom>
-            <a:ln w="12700">
-              <a:solidFill>
-                <a:schemeClr val="tx1"/>
-              </a:solidFill>
-              <a:tailEnd type="triangle"/>
-            </a:ln>
-          </p:spPr>
-          <p:style>
-            <a:lnRef idx="1">
-              <a:schemeClr val="accent1"/>
-            </a:lnRef>
-            <a:fillRef idx="0">
-              <a:schemeClr val="accent1"/>
-            </a:fillRef>
-            <a:effectRef idx="0">
-              <a:schemeClr val="accent1"/>
-            </a:effectRef>
-            <a:fontRef idx="minor">
+            </a:solidFill>
+          </a:ln>
+        </p:spPr>
+        <p:style>
+          <a:lnRef idx="2">
+            <a:schemeClr val="accent1">
+              <a:shade val="50000"/>
+            </a:schemeClr>
+          </a:lnRef>
+          <a:fillRef idx="1">
+            <a:schemeClr val="accent1"/>
+          </a:fillRef>
+          <a:effectRef idx="0">
+            <a:schemeClr val="accent1"/>
+          </a:effectRef>
+          <a:fontRef idx="minor">
+            <a:schemeClr val="lt1"/>
+          </a:fontRef>
+        </p:style>
+        <p:txBody>
+          <a:bodyPr rtlCol="0" anchor="ctr"/>
+          <a:lstStyle/>
+          <a:p>
+            <a:pPr algn="ctr"/>
+            <a:r>
+              <a:rPr lang="en-US" dirty="0">
+                <a:solidFill>
+                  <a:sysClr val="windowText" lastClr="000000"/>
+                </a:solidFill>
+              </a:rPr>
+              <a:t>Not solved!</a:t>
+            </a:r>
+          </a:p>
+        </p:txBody>
+      </p:sp>
+      <p:sp>
+        <p:nvSpPr>
+          <p:cNvPr id="29" name="Rectangle 28">
+            <a:extLst>
+              <a:ext uri="{FF2B5EF4-FFF2-40B4-BE49-F238E27FC236}">
+                <a16:creationId xmlns:a16="http://schemas.microsoft.com/office/drawing/2014/main" id="{0870FFAD-159C-4856-90A9-1F0E03806C6F}"/>
+              </a:ext>
+            </a:extLst>
+          </p:cNvPr>
+          <p:cNvSpPr/>
+          <p:nvPr/>
+        </p:nvSpPr>
+        <p:spPr>
+          <a:xfrm>
+            <a:off x="4493556" y="6007109"/>
+            <a:ext cx="1256877" cy="393676"/>
+          </a:xfrm>
+          <a:prstGeom prst="rect">
+            <a:avLst/>
+          </a:prstGeom>
+          <a:noFill/>
+          <a:ln w="12700">
+            <a:solidFill>
               <a:schemeClr val="tx1"/>
-            </a:fontRef>
-          </p:style>
-        </p:cxnSp>
-        <p:sp>
-          <p:nvSpPr>
-            <p:cNvPr id="46" name="Rectangle 45">
-              <a:extLst>
-                <a:ext uri="{FF2B5EF4-FFF2-40B4-BE49-F238E27FC236}">
-                  <a16:creationId xmlns:a16="http://schemas.microsoft.com/office/drawing/2014/main" id="{2BD3A7C2-9962-4B5F-8903-40FDB6E1601D}"/>
-                </a:ext>
-              </a:extLst>
-            </p:cNvPr>
-            <p:cNvSpPr/>
-            <p:nvPr/>
-          </p:nvSpPr>
-          <p:spPr>
-            <a:xfrm>
-              <a:off x="2552072" y="1291029"/>
-              <a:ext cx="2141100" cy="408481"/>
-            </a:xfrm>
-            <a:prstGeom prst="rect">
-              <a:avLst/>
-            </a:prstGeom>
-            <a:noFill/>
-            <a:ln w="12700">
-              <a:solidFill>
-                <a:schemeClr val="tx1"/>
-              </a:solidFill>
-            </a:ln>
-          </p:spPr>
-          <p:style>
-            <a:lnRef idx="2">
-              <a:schemeClr val="accent1">
-                <a:shade val="50000"/>
-              </a:schemeClr>
-            </a:lnRef>
-            <a:fillRef idx="1">
-              <a:schemeClr val="accent1"/>
-            </a:fillRef>
-            <a:effectRef idx="0">
-              <a:schemeClr val="accent1"/>
-            </a:effectRef>
-            <a:fontRef idx="minor">
-              <a:schemeClr val="lt1"/>
-            </a:fontRef>
-          </p:style>
-          <p:txBody>
-            <a:bodyPr rtlCol="0" anchor="ctr"/>
-            <a:lstStyle/>
-            <a:p>
-              <a:pPr algn="ctr"/>
-              <a:r>
-                <a:rPr lang="en-US" dirty="0">
-                  <a:solidFill>
-                    <a:sysClr val="windowText" lastClr="000000"/>
-                  </a:solidFill>
-                </a:rPr>
-                <a:t>Here is a riddle...</a:t>
-              </a:r>
-            </a:p>
-          </p:txBody>
-        </p:sp>
-        <p:cxnSp>
-          <p:nvCxnSpPr>
-            <p:cNvPr id="50" name="Straight Arrow Connector 49">
-              <a:extLst>
-                <a:ext uri="{FF2B5EF4-FFF2-40B4-BE49-F238E27FC236}">
-                  <a16:creationId xmlns:a16="http://schemas.microsoft.com/office/drawing/2014/main" id="{EDF474B7-822F-49B8-8F0C-5A3A27A3CB6B}"/>
-                </a:ext>
-              </a:extLst>
-            </p:cNvPr>
-            <p:cNvCxnSpPr>
-              <a:stCxn id="4" idx="2"/>
-              <a:endCxn id="46" idx="0"/>
-            </p:cNvCxnSpPr>
-            <p:nvPr/>
-          </p:nvCxnSpPr>
-          <p:spPr>
-            <a:xfrm flipH="1">
-              <a:off x="3622622" y="925638"/>
-              <a:ext cx="1" cy="365391"/>
-            </a:xfrm>
-            <a:prstGeom prst="straightConnector1">
-              <a:avLst/>
-            </a:prstGeom>
-            <a:ln w="12700">
-              <a:tailEnd type="triangle"/>
-            </a:ln>
-          </p:spPr>
-          <p:style>
-            <a:lnRef idx="1">
-              <a:schemeClr val="dk1"/>
-            </a:lnRef>
-            <a:fillRef idx="0">
-              <a:schemeClr val="dk1"/>
-            </a:fillRef>
-            <a:effectRef idx="0">
-              <a:schemeClr val="dk1"/>
-            </a:effectRef>
-            <a:fontRef idx="minor">
+            </a:solidFill>
+          </a:ln>
+        </p:spPr>
+        <p:style>
+          <a:lnRef idx="2">
+            <a:schemeClr val="accent1">
+              <a:shade val="50000"/>
+            </a:schemeClr>
+          </a:lnRef>
+          <a:fillRef idx="1">
+            <a:schemeClr val="accent1"/>
+          </a:fillRef>
+          <a:effectRef idx="0">
+            <a:schemeClr val="accent1"/>
+          </a:effectRef>
+          <a:fontRef idx="minor">
+            <a:schemeClr val="lt1"/>
+          </a:fontRef>
+        </p:style>
+        <p:txBody>
+          <a:bodyPr rtlCol="0" anchor="ctr"/>
+          <a:lstStyle/>
+          <a:p>
+            <a:pPr algn="ctr"/>
+            <a:r>
+              <a:rPr lang="en-US" dirty="0">
+                <a:solidFill>
+                  <a:sysClr val="windowText" lastClr="000000"/>
+                </a:solidFill>
+              </a:rPr>
+              <a:t>Solved!</a:t>
+            </a:r>
+          </a:p>
+        </p:txBody>
+      </p:sp>
+      <p:cxnSp>
+        <p:nvCxnSpPr>
+          <p:cNvPr id="30" name="Connector: Elbow 29">
+            <a:extLst>
+              <a:ext uri="{FF2B5EF4-FFF2-40B4-BE49-F238E27FC236}">
+                <a16:creationId xmlns:a16="http://schemas.microsoft.com/office/drawing/2014/main" id="{8B807388-A734-47AB-8BBC-9642526173AB}"/>
+              </a:ext>
+            </a:extLst>
+          </p:cNvPr>
+          <p:cNvCxnSpPr>
+            <a:endCxn id="28" idx="0"/>
+          </p:cNvCxnSpPr>
+          <p:nvPr/>
+        </p:nvCxnSpPr>
+        <p:spPr>
+          <a:xfrm rot="5400000">
+            <a:off x="2877317" y="5019307"/>
+            <a:ext cx="718728" cy="1256876"/>
+          </a:xfrm>
+          <a:prstGeom prst="bentConnector3">
+            <a:avLst/>
+          </a:prstGeom>
+          <a:ln w="12700">
+            <a:solidFill>
               <a:schemeClr val="tx1"/>
-            </a:fontRef>
-          </p:style>
-        </p:cxnSp>
-        <p:cxnSp>
-          <p:nvCxnSpPr>
-            <p:cNvPr id="52" name="Connector: Elbow 51">
-              <a:extLst>
-                <a:ext uri="{FF2B5EF4-FFF2-40B4-BE49-F238E27FC236}">
-                  <a16:creationId xmlns:a16="http://schemas.microsoft.com/office/drawing/2014/main" id="{BE027EAF-E8BF-4435-BFA1-90B3BB7FBFC2}"/>
-                </a:ext>
-              </a:extLst>
-            </p:cNvPr>
-            <p:cNvCxnSpPr>
-              <a:stCxn id="46" idx="2"/>
-              <a:endCxn id="5" idx="0"/>
-            </p:cNvCxnSpPr>
-            <p:nvPr/>
-          </p:nvCxnSpPr>
-          <p:spPr>
-            <a:xfrm rot="16200000" flipH="1">
-              <a:off x="4084507" y="1237624"/>
-              <a:ext cx="380375" cy="1304145"/>
-            </a:xfrm>
-            <a:prstGeom prst="bentConnector3">
-              <a:avLst/>
-            </a:prstGeom>
-            <a:ln w="12700">
-              <a:tailEnd type="triangle"/>
-            </a:ln>
-          </p:spPr>
-          <p:style>
-            <a:lnRef idx="1">
-              <a:schemeClr val="dk1"/>
-            </a:lnRef>
-            <a:fillRef idx="0">
-              <a:schemeClr val="dk1"/>
-            </a:fillRef>
-            <a:effectRef idx="0">
-              <a:schemeClr val="dk1"/>
-            </a:effectRef>
-            <a:fontRef idx="minor">
+            </a:solidFill>
+            <a:tailEnd type="triangle"/>
+          </a:ln>
+        </p:spPr>
+        <p:style>
+          <a:lnRef idx="1">
+            <a:schemeClr val="accent1"/>
+          </a:lnRef>
+          <a:fillRef idx="0">
+            <a:schemeClr val="accent1"/>
+          </a:fillRef>
+          <a:effectRef idx="0">
+            <a:schemeClr val="accent1"/>
+          </a:effectRef>
+          <a:fontRef idx="minor">
+            <a:schemeClr val="tx1"/>
+          </a:fontRef>
+        </p:style>
+      </p:cxnSp>
+      <p:cxnSp>
+        <p:nvCxnSpPr>
+          <p:cNvPr id="32" name="Connector: Elbow 31">
+            <a:extLst>
+              <a:ext uri="{FF2B5EF4-FFF2-40B4-BE49-F238E27FC236}">
+                <a16:creationId xmlns:a16="http://schemas.microsoft.com/office/drawing/2014/main" id="{8EDDDFBB-3AC0-4A20-A01C-71A1C7E0B32D}"/>
+              </a:ext>
+            </a:extLst>
+          </p:cNvPr>
+          <p:cNvCxnSpPr>
+            <a:cxnSpLocks/>
+            <a:stCxn id="28" idx="1"/>
+            <a:endCxn id="5" idx="1"/>
+          </p:cNvCxnSpPr>
+          <p:nvPr/>
+        </p:nvCxnSpPr>
+        <p:spPr>
+          <a:xfrm rot="10800000" flipH="1">
+            <a:off x="1979802" y="2575995"/>
+            <a:ext cx="1885316" cy="3627954"/>
+          </a:xfrm>
+          <a:prstGeom prst="bentConnector3">
+            <a:avLst>
+              <a:gd name="adj1" fmla="val -11686"/>
+            </a:avLst>
+          </a:prstGeom>
+          <a:ln w="12700">
+            <a:solidFill>
               <a:schemeClr val="tx1"/>
-            </a:fontRef>
-          </p:style>
-        </p:cxnSp>
-      </p:grpSp>
+            </a:solidFill>
+            <a:tailEnd type="triangle"/>
+          </a:ln>
+        </p:spPr>
+        <p:style>
+          <a:lnRef idx="1">
+            <a:schemeClr val="accent1"/>
+          </a:lnRef>
+          <a:fillRef idx="0">
+            <a:schemeClr val="accent1"/>
+          </a:fillRef>
+          <a:effectRef idx="0">
+            <a:schemeClr val="accent1"/>
+          </a:effectRef>
+          <a:fontRef idx="minor">
+            <a:schemeClr val="tx1"/>
+          </a:fontRef>
+        </p:style>
+      </p:cxnSp>
+      <p:cxnSp>
+        <p:nvCxnSpPr>
+          <p:cNvPr id="40" name="Connector: Elbow 39">
+            <a:extLst>
+              <a:ext uri="{FF2B5EF4-FFF2-40B4-BE49-F238E27FC236}">
+                <a16:creationId xmlns:a16="http://schemas.microsoft.com/office/drawing/2014/main" id="{30158219-D26A-4B77-A1EC-EEA61577FE53}"/>
+              </a:ext>
+            </a:extLst>
+          </p:cNvPr>
+          <p:cNvCxnSpPr>
+            <a:cxnSpLocks/>
+            <a:stCxn id="14" idx="3"/>
+            <a:endCxn id="41" idx="1"/>
+          </p:cNvCxnSpPr>
+          <p:nvPr/>
+        </p:nvCxnSpPr>
+        <p:spPr>
+          <a:xfrm>
+            <a:off x="7007310" y="3831061"/>
+            <a:ext cx="1297810" cy="1081712"/>
+          </a:xfrm>
+          <a:prstGeom prst="bentConnector3">
+            <a:avLst/>
+          </a:prstGeom>
+          <a:ln w="12700">
+            <a:solidFill>
+              <a:schemeClr val="tx1"/>
+            </a:solidFill>
+            <a:tailEnd type="triangle"/>
+          </a:ln>
+        </p:spPr>
+        <p:style>
+          <a:lnRef idx="1">
+            <a:schemeClr val="accent1"/>
+          </a:lnRef>
+          <a:fillRef idx="0">
+            <a:schemeClr val="accent1"/>
+          </a:fillRef>
+          <a:effectRef idx="0">
+            <a:schemeClr val="accent1"/>
+          </a:effectRef>
+          <a:fontRef idx="minor">
+            <a:schemeClr val="tx1"/>
+          </a:fontRef>
+        </p:style>
+      </p:cxnSp>
+      <p:sp>
+        <p:nvSpPr>
+          <p:cNvPr id="41" name="Rectangle 40">
+            <a:extLst>
+              <a:ext uri="{FF2B5EF4-FFF2-40B4-BE49-F238E27FC236}">
+                <a16:creationId xmlns:a16="http://schemas.microsoft.com/office/drawing/2014/main" id="{D6996A4F-6EF0-4C48-BA1D-69A276EB12EF}"/>
+              </a:ext>
+            </a:extLst>
+          </p:cNvPr>
+          <p:cNvSpPr/>
+          <p:nvPr/>
+        </p:nvSpPr>
+        <p:spPr>
+          <a:xfrm>
+            <a:off x="8305119" y="4626550"/>
+            <a:ext cx="2008113" cy="572446"/>
+          </a:xfrm>
+          <a:prstGeom prst="rect">
+            <a:avLst/>
+          </a:prstGeom>
+          <a:noFill/>
+          <a:ln w="12700">
+            <a:solidFill>
+              <a:schemeClr val="tx1"/>
+            </a:solidFill>
+          </a:ln>
+        </p:spPr>
+        <p:style>
+          <a:lnRef idx="2">
+            <a:schemeClr val="accent1">
+              <a:shade val="50000"/>
+            </a:schemeClr>
+          </a:lnRef>
+          <a:fillRef idx="1">
+            <a:schemeClr val="accent1"/>
+          </a:fillRef>
+          <a:effectRef idx="0">
+            <a:schemeClr val="accent1"/>
+          </a:effectRef>
+          <a:fontRef idx="minor">
+            <a:schemeClr val="lt1"/>
+          </a:fontRef>
+        </p:style>
+        <p:txBody>
+          <a:bodyPr rtlCol="0" anchor="ctr"/>
+          <a:lstStyle/>
+          <a:p>
+            <a:pPr algn="ctr"/>
+            <a:r>
+              <a:rPr lang="en-US" dirty="0">
+                <a:solidFill>
+                  <a:sysClr val="windowText" lastClr="000000"/>
+                </a:solidFill>
+              </a:rPr>
+              <a:t>Print the solution.</a:t>
+            </a:r>
+          </a:p>
+        </p:txBody>
+      </p:sp>
+      <p:cxnSp>
+        <p:nvCxnSpPr>
+          <p:cNvPr id="44" name="Connector: Elbow 43">
+            <a:extLst>
+              <a:ext uri="{FF2B5EF4-FFF2-40B4-BE49-F238E27FC236}">
+                <a16:creationId xmlns:a16="http://schemas.microsoft.com/office/drawing/2014/main" id="{C354F916-6766-4E76-BD70-4730F466C229}"/>
+              </a:ext>
+            </a:extLst>
+          </p:cNvPr>
+          <p:cNvCxnSpPr>
+            <a:stCxn id="29" idx="3"/>
+            <a:endCxn id="41" idx="1"/>
+          </p:cNvCxnSpPr>
+          <p:nvPr/>
+        </p:nvCxnSpPr>
+        <p:spPr>
+          <a:xfrm flipV="1">
+            <a:off x="5750433" y="4912773"/>
+            <a:ext cx="2554686" cy="1291174"/>
+          </a:xfrm>
+          <a:prstGeom prst="bentConnector3">
+            <a:avLst>
+              <a:gd name="adj1" fmla="val 74882"/>
+            </a:avLst>
+          </a:prstGeom>
+          <a:ln w="12700">
+            <a:solidFill>
+              <a:schemeClr val="tx1"/>
+            </a:solidFill>
+            <a:tailEnd type="triangle"/>
+          </a:ln>
+        </p:spPr>
+        <p:style>
+          <a:lnRef idx="1">
+            <a:schemeClr val="accent1"/>
+          </a:lnRef>
+          <a:fillRef idx="0">
+            <a:schemeClr val="accent1"/>
+          </a:fillRef>
+          <a:effectRef idx="0">
+            <a:schemeClr val="accent1"/>
+          </a:effectRef>
+          <a:fontRef idx="minor">
+            <a:schemeClr val="tx1"/>
+          </a:fontRef>
+        </p:style>
+      </p:cxnSp>
+      <p:sp>
+        <p:nvSpPr>
+          <p:cNvPr id="46" name="Rectangle 45">
+            <a:extLst>
+              <a:ext uri="{FF2B5EF4-FFF2-40B4-BE49-F238E27FC236}">
+                <a16:creationId xmlns:a16="http://schemas.microsoft.com/office/drawing/2014/main" id="{2BD3A7C2-9962-4B5F-8903-40FDB6E1601D}"/>
+              </a:ext>
+            </a:extLst>
+          </p:cNvPr>
+          <p:cNvSpPr/>
+          <p:nvPr/>
+        </p:nvSpPr>
+        <p:spPr>
+          <a:xfrm>
+            <a:off x="2833369" y="1476228"/>
+            <a:ext cx="2063498" cy="393676"/>
+          </a:xfrm>
+          <a:prstGeom prst="rect">
+            <a:avLst/>
+          </a:prstGeom>
+          <a:noFill/>
+          <a:ln w="12700">
+            <a:solidFill>
+              <a:schemeClr val="tx1"/>
+            </a:solidFill>
+          </a:ln>
+        </p:spPr>
+        <p:style>
+          <a:lnRef idx="2">
+            <a:schemeClr val="accent1">
+              <a:shade val="50000"/>
+            </a:schemeClr>
+          </a:lnRef>
+          <a:fillRef idx="1">
+            <a:schemeClr val="accent1"/>
+          </a:fillRef>
+          <a:effectRef idx="0">
+            <a:schemeClr val="accent1"/>
+          </a:effectRef>
+          <a:fontRef idx="minor">
+            <a:schemeClr val="lt1"/>
+          </a:fontRef>
+        </p:style>
+        <p:txBody>
+          <a:bodyPr rtlCol="0" anchor="ctr"/>
+          <a:lstStyle/>
+          <a:p>
+            <a:pPr algn="ctr"/>
+            <a:r>
+              <a:rPr lang="en-US" dirty="0">
+                <a:solidFill>
+                  <a:sysClr val="windowText" lastClr="000000"/>
+                </a:solidFill>
+              </a:rPr>
+              <a:t>Here is a riddle...</a:t>
+            </a:r>
+          </a:p>
+        </p:txBody>
+      </p:sp>
+      <p:cxnSp>
+        <p:nvCxnSpPr>
+          <p:cNvPr id="50" name="Straight Arrow Connector 49">
+            <a:extLst>
+              <a:ext uri="{FF2B5EF4-FFF2-40B4-BE49-F238E27FC236}">
+                <a16:creationId xmlns:a16="http://schemas.microsoft.com/office/drawing/2014/main" id="{EDF474B7-822F-49B8-8F0C-5A3A27A3CB6B}"/>
+              </a:ext>
+            </a:extLst>
+          </p:cNvPr>
+          <p:cNvCxnSpPr>
+            <a:cxnSpLocks/>
+            <a:stCxn id="4" idx="2"/>
+            <a:endCxn id="46" idx="0"/>
+          </p:cNvCxnSpPr>
+          <p:nvPr/>
+        </p:nvCxnSpPr>
+        <p:spPr>
+          <a:xfrm flipH="1">
+            <a:off x="3865118" y="1124081"/>
+            <a:ext cx="1" cy="352148"/>
+          </a:xfrm>
+          <a:prstGeom prst="straightConnector1">
+            <a:avLst/>
+          </a:prstGeom>
+          <a:ln w="12700">
+            <a:tailEnd type="triangle"/>
+          </a:ln>
+        </p:spPr>
+        <p:style>
+          <a:lnRef idx="1">
+            <a:schemeClr val="dk1"/>
+          </a:lnRef>
+          <a:fillRef idx="0">
+            <a:schemeClr val="dk1"/>
+          </a:fillRef>
+          <a:effectRef idx="0">
+            <a:schemeClr val="dk1"/>
+          </a:effectRef>
+          <a:fontRef idx="minor">
+            <a:schemeClr val="tx1"/>
+          </a:fontRef>
+        </p:style>
+      </p:cxnSp>
+      <p:cxnSp>
+        <p:nvCxnSpPr>
+          <p:cNvPr id="52" name="Connector: Elbow 51">
+            <a:extLst>
+              <a:ext uri="{FF2B5EF4-FFF2-40B4-BE49-F238E27FC236}">
+                <a16:creationId xmlns:a16="http://schemas.microsoft.com/office/drawing/2014/main" id="{BE027EAF-E8BF-4435-BFA1-90B3BB7FBFC2}"/>
+              </a:ext>
+            </a:extLst>
+          </p:cNvPr>
+          <p:cNvCxnSpPr>
+            <a:cxnSpLocks/>
+            <a:stCxn id="46" idx="2"/>
+            <a:endCxn id="5" idx="0"/>
+          </p:cNvCxnSpPr>
+          <p:nvPr/>
+        </p:nvCxnSpPr>
+        <p:spPr>
+          <a:xfrm rot="16200000" flipH="1">
+            <a:off x="4310262" y="1424759"/>
+            <a:ext cx="366589" cy="1256877"/>
+          </a:xfrm>
+          <a:prstGeom prst="bentConnector3">
+            <a:avLst/>
+          </a:prstGeom>
+          <a:ln w="12700">
+            <a:tailEnd type="triangle"/>
+          </a:ln>
+        </p:spPr>
+        <p:style>
+          <a:lnRef idx="1">
+            <a:schemeClr val="dk1"/>
+          </a:lnRef>
+          <a:fillRef idx="0">
+            <a:schemeClr val="dk1"/>
+          </a:fillRef>
+          <a:effectRef idx="0">
+            <a:schemeClr val="dk1"/>
+          </a:effectRef>
+          <a:fontRef idx="minor">
+            <a:schemeClr val="tx1"/>
+          </a:fontRef>
+        </p:style>
+      </p:cxnSp>
     </p:spTree>
     <p:extLst>
       <p:ext uri="{BB962C8B-B14F-4D97-AF65-F5344CB8AC3E}">
